--- a/assets/figure.pptx
+++ b/assets/figure.pptx
@@ -259,7 +259,7 @@
           <a:p>
             <a:fld id="{844F5D37-115E-2947-9237-D65974CBBBD0}" type="datetimeFigureOut">
               <a:rPr lang="en-US" smtClean="0"/>
-              <a:t>9/26/18</a:t>
+              <a:t>2/12/19</a:t>
             </a:fld>
             <a:endParaRPr lang="en-US"/>
           </a:p>
@@ -457,7 +457,7 @@
           <a:p>
             <a:fld id="{844F5D37-115E-2947-9237-D65974CBBBD0}" type="datetimeFigureOut">
               <a:rPr lang="en-US" smtClean="0"/>
-              <a:t>9/26/18</a:t>
+              <a:t>2/12/19</a:t>
             </a:fld>
             <a:endParaRPr lang="en-US"/>
           </a:p>
@@ -665,7 +665,7 @@
           <a:p>
             <a:fld id="{844F5D37-115E-2947-9237-D65974CBBBD0}" type="datetimeFigureOut">
               <a:rPr lang="en-US" smtClean="0"/>
-              <a:t>9/26/18</a:t>
+              <a:t>2/12/19</a:t>
             </a:fld>
             <a:endParaRPr lang="en-US"/>
           </a:p>
@@ -863,7 +863,7 @@
           <a:p>
             <a:fld id="{844F5D37-115E-2947-9237-D65974CBBBD0}" type="datetimeFigureOut">
               <a:rPr lang="en-US" smtClean="0"/>
-              <a:t>9/26/18</a:t>
+              <a:t>2/12/19</a:t>
             </a:fld>
             <a:endParaRPr lang="en-US"/>
           </a:p>
@@ -1138,7 +1138,7 @@
           <a:p>
             <a:fld id="{844F5D37-115E-2947-9237-D65974CBBBD0}" type="datetimeFigureOut">
               <a:rPr lang="en-US" smtClean="0"/>
-              <a:t>9/26/18</a:t>
+              <a:t>2/12/19</a:t>
             </a:fld>
             <a:endParaRPr lang="en-US"/>
           </a:p>
@@ -1403,7 +1403,7 @@
           <a:p>
             <a:fld id="{844F5D37-115E-2947-9237-D65974CBBBD0}" type="datetimeFigureOut">
               <a:rPr lang="en-US" smtClean="0"/>
-              <a:t>9/26/18</a:t>
+              <a:t>2/12/19</a:t>
             </a:fld>
             <a:endParaRPr lang="en-US"/>
           </a:p>
@@ -1815,7 +1815,7 @@
           <a:p>
             <a:fld id="{844F5D37-115E-2947-9237-D65974CBBBD0}" type="datetimeFigureOut">
               <a:rPr lang="en-US" smtClean="0"/>
-              <a:t>9/26/18</a:t>
+              <a:t>2/12/19</a:t>
             </a:fld>
             <a:endParaRPr lang="en-US"/>
           </a:p>
@@ -1956,7 +1956,7 @@
           <a:p>
             <a:fld id="{844F5D37-115E-2947-9237-D65974CBBBD0}" type="datetimeFigureOut">
               <a:rPr lang="en-US" smtClean="0"/>
-              <a:t>9/26/18</a:t>
+              <a:t>2/12/19</a:t>
             </a:fld>
             <a:endParaRPr lang="en-US"/>
           </a:p>
@@ -2069,7 +2069,7 @@
           <a:p>
             <a:fld id="{844F5D37-115E-2947-9237-D65974CBBBD0}" type="datetimeFigureOut">
               <a:rPr lang="en-US" smtClean="0"/>
-              <a:t>9/26/18</a:t>
+              <a:t>2/12/19</a:t>
             </a:fld>
             <a:endParaRPr lang="en-US"/>
           </a:p>
@@ -2380,7 +2380,7 @@
           <a:p>
             <a:fld id="{844F5D37-115E-2947-9237-D65974CBBBD0}" type="datetimeFigureOut">
               <a:rPr lang="en-US" smtClean="0"/>
-              <a:t>9/26/18</a:t>
+              <a:t>2/12/19</a:t>
             </a:fld>
             <a:endParaRPr lang="en-US"/>
           </a:p>
@@ -2668,7 +2668,7 @@
           <a:p>
             <a:fld id="{844F5D37-115E-2947-9237-D65974CBBBD0}" type="datetimeFigureOut">
               <a:rPr lang="en-US" smtClean="0"/>
-              <a:t>9/26/18</a:t>
+              <a:t>2/12/19</a:t>
             </a:fld>
             <a:endParaRPr lang="en-US"/>
           </a:p>
@@ -2909,7 +2909,7 @@
           <a:p>
             <a:fld id="{844F5D37-115E-2947-9237-D65974CBBBD0}" type="datetimeFigureOut">
               <a:rPr lang="en-US" smtClean="0"/>
-              <a:t>9/26/18</a:t>
+              <a:t>2/12/19</a:t>
             </a:fld>
             <a:endParaRPr lang="en-US"/>
           </a:p>
@@ -3729,6 +3729,9 @@
           <a:prstGeom prst="roundRect">
             <a:avLst/>
           </a:prstGeom>
+          <a:solidFill>
+            <a:schemeClr val="accent2"/>
+          </a:solidFill>
         </p:spPr>
         <p:style>
           <a:lnRef idx="2">
@@ -3953,6 +3956,58 @@
             <a:r>
               <a:rPr lang="en-US" dirty="0"/>
               <a:t>Game Design</a:t>
+            </a:r>
+          </a:p>
+        </p:txBody>
+      </p:sp>
+      <p:sp>
+        <p:nvSpPr>
+          <p:cNvPr id="21" name="Rounded Rectangle 20">
+            <a:extLst>
+              <a:ext uri="{FF2B5EF4-FFF2-40B4-BE49-F238E27FC236}">
+                <a16:creationId xmlns:a16="http://schemas.microsoft.com/office/drawing/2014/main" id="{B1437F33-E185-244B-99D9-2669ED62A883}"/>
+              </a:ext>
+            </a:extLst>
+          </p:cNvPr>
+          <p:cNvSpPr/>
+          <p:nvPr/>
+        </p:nvSpPr>
+        <p:spPr>
+          <a:xfrm>
+            <a:off x="9370541" y="6081572"/>
+            <a:ext cx="2150076" cy="716692"/>
+          </a:xfrm>
+          <a:prstGeom prst="roundRect">
+            <a:avLst/>
+          </a:prstGeom>
+          <a:solidFill>
+            <a:schemeClr val="accent1"/>
+          </a:solidFill>
+        </p:spPr>
+        <p:style>
+          <a:lnRef idx="2">
+            <a:schemeClr val="accent1">
+              <a:shade val="50000"/>
+            </a:schemeClr>
+          </a:lnRef>
+          <a:fillRef idx="1">
+            <a:schemeClr val="accent1"/>
+          </a:fillRef>
+          <a:effectRef idx="0">
+            <a:schemeClr val="accent1"/>
+          </a:effectRef>
+          <a:fontRef idx="minor">
+            <a:schemeClr val="lt1"/>
+          </a:fontRef>
+        </p:style>
+        <p:txBody>
+          <a:bodyPr rtlCol="0" anchor="ctr"/>
+          <a:lstStyle/>
+          <a:p>
+            <a:pPr algn="ctr"/>
+            <a:r>
+              <a:rPr lang="en-US" dirty="0"/>
+              <a:t>Data analytics</a:t>
             </a:r>
           </a:p>
         </p:txBody>

--- a/assets/figure.pptx
+++ b/assets/figure.pptx
@@ -259,7 +259,7 @@
           <a:p>
             <a:fld id="{844F5D37-115E-2947-9237-D65974CBBBD0}" type="datetimeFigureOut">
               <a:rPr lang="en-US" smtClean="0"/>
-              <a:t>2/12/19</a:t>
+              <a:t>3/1/19</a:t>
             </a:fld>
             <a:endParaRPr lang="en-US"/>
           </a:p>
@@ -457,7 +457,7 @@
           <a:p>
             <a:fld id="{844F5D37-115E-2947-9237-D65974CBBBD0}" type="datetimeFigureOut">
               <a:rPr lang="en-US" smtClean="0"/>
-              <a:t>2/12/19</a:t>
+              <a:t>3/1/19</a:t>
             </a:fld>
             <a:endParaRPr lang="en-US"/>
           </a:p>
@@ -665,7 +665,7 @@
           <a:p>
             <a:fld id="{844F5D37-115E-2947-9237-D65974CBBBD0}" type="datetimeFigureOut">
               <a:rPr lang="en-US" smtClean="0"/>
-              <a:t>2/12/19</a:t>
+              <a:t>3/1/19</a:t>
             </a:fld>
             <a:endParaRPr lang="en-US"/>
           </a:p>
@@ -863,7 +863,7 @@
           <a:p>
             <a:fld id="{844F5D37-115E-2947-9237-D65974CBBBD0}" type="datetimeFigureOut">
               <a:rPr lang="en-US" smtClean="0"/>
-              <a:t>2/12/19</a:t>
+              <a:t>3/1/19</a:t>
             </a:fld>
             <a:endParaRPr lang="en-US"/>
           </a:p>
@@ -1138,7 +1138,7 @@
           <a:p>
             <a:fld id="{844F5D37-115E-2947-9237-D65974CBBBD0}" type="datetimeFigureOut">
               <a:rPr lang="en-US" smtClean="0"/>
-              <a:t>2/12/19</a:t>
+              <a:t>3/1/19</a:t>
             </a:fld>
             <a:endParaRPr lang="en-US"/>
           </a:p>
@@ -1403,7 +1403,7 @@
           <a:p>
             <a:fld id="{844F5D37-115E-2947-9237-D65974CBBBD0}" type="datetimeFigureOut">
               <a:rPr lang="en-US" smtClean="0"/>
-              <a:t>2/12/19</a:t>
+              <a:t>3/1/19</a:t>
             </a:fld>
             <a:endParaRPr lang="en-US"/>
           </a:p>
@@ -1815,7 +1815,7 @@
           <a:p>
             <a:fld id="{844F5D37-115E-2947-9237-D65974CBBBD0}" type="datetimeFigureOut">
               <a:rPr lang="en-US" smtClean="0"/>
-              <a:t>2/12/19</a:t>
+              <a:t>3/1/19</a:t>
             </a:fld>
             <a:endParaRPr lang="en-US"/>
           </a:p>
@@ -1956,7 +1956,7 @@
           <a:p>
             <a:fld id="{844F5D37-115E-2947-9237-D65974CBBBD0}" type="datetimeFigureOut">
               <a:rPr lang="en-US" smtClean="0"/>
-              <a:t>2/12/19</a:t>
+              <a:t>3/1/19</a:t>
             </a:fld>
             <a:endParaRPr lang="en-US"/>
           </a:p>
@@ -2069,7 +2069,7 @@
           <a:p>
             <a:fld id="{844F5D37-115E-2947-9237-D65974CBBBD0}" type="datetimeFigureOut">
               <a:rPr lang="en-US" smtClean="0"/>
-              <a:t>2/12/19</a:t>
+              <a:t>3/1/19</a:t>
             </a:fld>
             <a:endParaRPr lang="en-US"/>
           </a:p>
@@ -2380,7 +2380,7 @@
           <a:p>
             <a:fld id="{844F5D37-115E-2947-9237-D65974CBBBD0}" type="datetimeFigureOut">
               <a:rPr lang="en-US" smtClean="0"/>
-              <a:t>2/12/19</a:t>
+              <a:t>3/1/19</a:t>
             </a:fld>
             <a:endParaRPr lang="en-US"/>
           </a:p>
@@ -2668,7 +2668,7 @@
           <a:p>
             <a:fld id="{844F5D37-115E-2947-9237-D65974CBBBD0}" type="datetimeFigureOut">
               <a:rPr lang="en-US" smtClean="0"/>
-              <a:t>2/12/19</a:t>
+              <a:t>3/1/19</a:t>
             </a:fld>
             <a:endParaRPr lang="en-US"/>
           </a:p>
@@ -2909,7 +2909,7 @@
           <a:p>
             <a:fld id="{844F5D37-115E-2947-9237-D65974CBBBD0}" type="datetimeFigureOut">
               <a:rPr lang="en-US" smtClean="0"/>
-              <a:t>2/12/19</a:t>
+              <a:t>3/1/19</a:t>
             </a:fld>
             <a:endParaRPr lang="en-US"/>
           </a:p>
@@ -3403,6 +3403,9 @@
           <a:prstGeom prst="roundRect">
             <a:avLst/>
           </a:prstGeom>
+          <a:solidFill>
+            <a:schemeClr val="accent2"/>
+          </a:solidFill>
         </p:spPr>
         <p:style>
           <a:lnRef idx="2">
@@ -3913,10 +3916,10 @@
       </p:sp>
       <p:sp>
         <p:nvSpPr>
-          <p:cNvPr id="15" name="Rounded Rectangle 14">
-            <a:extLst>
-              <a:ext uri="{FF2B5EF4-FFF2-40B4-BE49-F238E27FC236}">
-                <a16:creationId xmlns:a16="http://schemas.microsoft.com/office/drawing/2014/main" id="{5309D890-6345-4542-B845-C9DDE6ACCAE9}"/>
+          <p:cNvPr id="21" name="Rounded Rectangle 20">
+            <a:extLst>
+              <a:ext uri="{FF2B5EF4-FFF2-40B4-BE49-F238E27FC236}">
+                <a16:creationId xmlns:a16="http://schemas.microsoft.com/office/drawing/2014/main" id="{B1437F33-E185-244B-99D9-2669ED62A883}"/>
               </a:ext>
             </a:extLst>
           </p:cNvPr>
@@ -3926,55 +3929,6 @@
         <p:spPr>
           <a:xfrm>
             <a:off x="9370541" y="4977705"/>
-            <a:ext cx="2150076" cy="716692"/>
-          </a:xfrm>
-          <a:prstGeom prst="roundRect">
-            <a:avLst/>
-          </a:prstGeom>
-        </p:spPr>
-        <p:style>
-          <a:lnRef idx="2">
-            <a:schemeClr val="accent1">
-              <a:shade val="50000"/>
-            </a:schemeClr>
-          </a:lnRef>
-          <a:fillRef idx="1">
-            <a:schemeClr val="accent1"/>
-          </a:fillRef>
-          <a:effectRef idx="0">
-            <a:schemeClr val="accent1"/>
-          </a:effectRef>
-          <a:fontRef idx="minor">
-            <a:schemeClr val="lt1"/>
-          </a:fontRef>
-        </p:style>
-        <p:txBody>
-          <a:bodyPr rtlCol="0" anchor="ctr"/>
-          <a:lstStyle/>
-          <a:p>
-            <a:pPr algn="ctr"/>
-            <a:r>
-              <a:rPr lang="en-US" dirty="0"/>
-              <a:t>Game Design</a:t>
-            </a:r>
-          </a:p>
-        </p:txBody>
-      </p:sp>
-      <p:sp>
-        <p:nvSpPr>
-          <p:cNvPr id="21" name="Rounded Rectangle 20">
-            <a:extLst>
-              <a:ext uri="{FF2B5EF4-FFF2-40B4-BE49-F238E27FC236}">
-                <a16:creationId xmlns:a16="http://schemas.microsoft.com/office/drawing/2014/main" id="{B1437F33-E185-244B-99D9-2669ED62A883}"/>
-              </a:ext>
-            </a:extLst>
-          </p:cNvPr>
-          <p:cNvSpPr/>
-          <p:nvPr/>
-        </p:nvSpPr>
-        <p:spPr>
-          <a:xfrm>
-            <a:off x="9370541" y="6081572"/>
             <a:ext cx="2150076" cy="716692"/>
           </a:xfrm>
           <a:prstGeom prst="roundRect">
